--- a/slides/L11-bft.pptx
+++ b/slides/L11-bft.pptx
@@ -2226,15 +2226,7 @@
             <a:pPr eaLnBrk="1" hangingPunct="1"/>
             <a:r>
               <a:rPr lang="en-US" altLang="en-US" sz="1400" baseline="0" dirty="0" smtClean="0"/>
-              <a:t>&gt;&gt;&gt; BUT: </a:t>
-            </a:r>
-            <a:r>
-              <a:rPr lang="en-US" altLang="en-US" sz="1400" baseline="0" dirty="0" smtClean="0"/>
-              <a:t>clients </a:t>
-            </a:r>
-            <a:r>
-              <a:rPr lang="en-US" altLang="en-US" sz="1400" baseline="0" dirty="0" smtClean="0"/>
-              <a:t>must do expensive public key crypto EACH TIME they store a key-value pair.</a:t>
+              <a:t>&gt;&gt;&gt; BUT: clients must do expensive public key crypto EACH TIME they store a key-value pair.</a:t>
             </a:r>
           </a:p>
           <a:p>
@@ -6646,15 +6638,7 @@
                   <a:srgbClr val="FF0000"/>
                 </a:solidFill>
               </a:rPr>
-              <a:t>&gt;&gt;&gt; These numbers mean that the quorums </a:t>
-            </a:r>
-            <a:r>
-              <a:rPr lang="en-US" b="0" dirty="0" smtClean="0">
-                <a:solidFill>
-                  <a:srgbClr val="FF0000"/>
-                </a:solidFill>
-              </a:rPr>
-              <a:t>form </a:t>
+              <a:t>&gt;&gt;&gt; These numbers mean that the quorums form </a:t>
             </a:r>
             <a:r>
               <a:rPr lang="en-US" b="1" dirty="0" smtClean="0">
@@ -7971,7 +7955,7 @@
             </a:pPr>
             <a:fld id="{54E168DF-4358-664B-A04B-7A4BE79C5464}" type="datetime1">
               <a:rPr lang="en-US" smtClean="0"/>
-              <a:t>10/18/17</a:t>
+              <a:t>10/22/17</a:t>
             </a:fld>
             <a:endParaRPr lang="en-US"/>
           </a:p>
@@ -8097,7 +8081,7 @@
             </a:pPr>
             <a:fld id="{54E168DF-4358-664B-A04B-7A4BE79C5464}" type="datetime1">
               <a:rPr lang="en-US" smtClean="0"/>
-              <a:t>10/18/17</a:t>
+              <a:t>10/22/17</a:t>
             </a:fld>
             <a:endParaRPr lang="en-US"/>
           </a:p>
@@ -8401,7 +8385,7 @@
             </a:pPr>
             <a:fld id="{9FB0B6B8-460D-9A45-A983-067DAFC8AE2B}" type="datetime1">
               <a:rPr lang="en-US" smtClean="0"/>
-              <a:t>10/18/17</a:t>
+              <a:t>10/22/17</a:t>
             </a:fld>
             <a:endParaRPr lang="en-US"/>
           </a:p>
@@ -8684,7 +8668,7 @@
             </a:pPr>
             <a:fld id="{C762C562-3101-0D43-9BC5-1FD230FF41EF}" type="datetime1">
               <a:rPr lang="en-US" smtClean="0"/>
-              <a:t>10/18/17</a:t>
+              <a:t>10/22/17</a:t>
             </a:fld>
             <a:endParaRPr lang="en-US"/>
           </a:p>
@@ -8953,7 +8937,7 @@
             </a:pPr>
             <a:fld id="{3E6AAB37-D57B-5349-8A73-F9D93383FA9F}" type="datetime1">
               <a:rPr lang="en-US" smtClean="0"/>
-              <a:t>10/18/17</a:t>
+              <a:t>10/22/17</a:t>
             </a:fld>
             <a:endParaRPr lang="en-US"/>
           </a:p>
@@ -9321,7 +9305,7 @@
             </a:pPr>
             <a:fld id="{3546F9FE-3308-7D4E-8B46-F9836AC42425}" type="datetime1">
               <a:rPr lang="en-US" smtClean="0"/>
-              <a:t>10/18/17</a:t>
+              <a:t>10/22/17</a:t>
             </a:fld>
             <a:endParaRPr lang="en-US"/>
           </a:p>
@@ -9609,7 +9593,7 @@
             </a:pPr>
             <a:fld id="{3546F9FE-3308-7D4E-8B46-F9836AC42425}" type="datetime1">
               <a:rPr lang="en-US" smtClean="0"/>
-              <a:t>10/18/17</a:t>
+              <a:t>10/22/17</a:t>
             </a:fld>
             <a:endParaRPr lang="en-US"/>
           </a:p>
@@ -9902,7 +9886,7 @@
             </a:pPr>
             <a:fld id="{B416C878-1A61-1D40-8C94-88B875F76C97}" type="datetime1">
               <a:rPr lang="en-US" smtClean="0"/>
-              <a:t>10/18/17</a:t>
+              <a:t>10/22/17</a:t>
             </a:fld>
             <a:endParaRPr lang="en-US"/>
           </a:p>
@@ -10406,7 +10390,7 @@
             </a:pPr>
             <a:fld id="{B5E7AF70-5002-B24C-BAA9-0C2EC79E2C37}" type="datetime1">
               <a:rPr lang="en-US" smtClean="0"/>
-              <a:t>10/18/17</a:t>
+              <a:t>10/22/17</a:t>
             </a:fld>
             <a:endParaRPr lang="en-US"/>
           </a:p>
@@ -10610,7 +10594,7 @@
             </a:pPr>
             <a:fld id="{62E44EB9-203A-2649-A5DC-C807C557D821}" type="datetime1">
               <a:rPr lang="en-US" smtClean="0"/>
-              <a:t>10/18/17</a:t>
+              <a:t>10/22/17</a:t>
             </a:fld>
             <a:endParaRPr lang="en-US"/>
           </a:p>
@@ -10912,7 +10896,7 @@
             </a:pPr>
             <a:fld id="{3E6AAB37-D57B-5349-8A73-F9D93383FA9F}" type="datetime1">
               <a:rPr lang="en-US" smtClean="0"/>
-              <a:t>10/18/17</a:t>
+              <a:t>10/22/17</a:t>
             </a:fld>
             <a:endParaRPr lang="en-US"/>
           </a:p>
@@ -11230,7 +11214,7 @@
             </a:pPr>
             <a:fld id="{3E6AAB37-D57B-5349-8A73-F9D93383FA9F}" type="datetime1">
               <a:rPr lang="en-US" smtClean="0"/>
-              <a:t>10/18/17</a:t>
+              <a:t>10/22/17</a:t>
             </a:fld>
             <a:endParaRPr lang="en-US"/>
           </a:p>
@@ -11443,7 +11427,7 @@
               <a:pPr>
                 <a:defRPr/>
               </a:pPr>
-              <a:t>10/18/17</a:t>
+              <a:t>10/22/17</a:t>
             </a:fld>
             <a:endParaRPr lang="en-US" dirty="0"/>
           </a:p>
@@ -12042,20 +12026,27 @@
           <a:p>
             <a:r>
               <a:rPr lang="en-US" dirty="0"/>
-              <a:t>Lecture 10</a:t>
-            </a:r>
-          </a:p>
-          <a:p>
+              <a:t>Lecture </a:t>
+            </a:r>
+            <a:r>
+              <a:rPr lang="en-US" dirty="0" smtClean="0"/>
+              <a:t>11</a:t>
+            </a:r>
             <a:endParaRPr lang="en-US" dirty="0"/>
           </a:p>
           <a:p>
+            <a:endParaRPr lang="en-US" dirty="0"/>
+          </a:p>
+          <a:p>
             <a:r>
               <a:rPr lang="en-US" dirty="0"/>
-              <a:t>Marco Canini</a:t>
-            </a:r>
-          </a:p>
-          <a:p>
-            <a:endParaRPr lang="en-US" dirty="0" smtClean="0"/>
+              <a:t>Marco </a:t>
+            </a:r>
+            <a:r>
+              <a:rPr lang="en-US" dirty="0" smtClean="0"/>
+              <a:t>Canini</a:t>
+            </a:r>
+            <a:endParaRPr lang="en-US" dirty="0"/>
           </a:p>
         </p:txBody>
       </p:sp>
@@ -12095,15 +12086,7 @@
                 <a:ea typeface="Arial" charset="0"/>
                 <a:cs typeface="Arial" charset="0"/>
               </a:rPr>
-              <a:t>material</a:t>
-            </a:r>
-            <a:r>
-              <a:rPr lang="en-US" sz="1400" b="0" dirty="0" smtClean="0">
-                <a:latin typeface="Arial" charset="0"/>
-                <a:ea typeface="Arial" charset="0"/>
-                <a:cs typeface="Arial" charset="0"/>
-              </a:rPr>
-              <a:t>.</a:t>
+              <a:t>material.</a:t>
             </a:r>
           </a:p>
         </p:txBody>
@@ -22797,26 +22780,14 @@
             </a:r>
             <a:r>
               <a:rPr lang="en-US" dirty="0" smtClean="0"/>
-              <a:t> cause internal inconsistencies </a:t>
-            </a:r>
+              <a:t> cause internal inconsistencies to the data in the servers</a:t>
+            </a:r>
+          </a:p>
+          <a:p>
+            <a:pPr lvl="1"/>
             <a:r>
               <a:rPr lang="en-US" dirty="0" smtClean="0"/>
-              <a:t>to the </a:t>
-            </a:r>
-            <a:r>
-              <a:rPr lang="en-US" dirty="0" smtClean="0"/>
-              <a:t>data in the servers</a:t>
-            </a:r>
-          </a:p>
-          <a:p>
-            <a:pPr lvl="1"/>
-            <a:r>
-              <a:rPr lang="en-US" dirty="0" smtClean="0"/>
-              <a:t>State machine replication </a:t>
-            </a:r>
-            <a:r>
-              <a:rPr lang="en-US" dirty="0" smtClean="0"/>
-              <a:t>property</a:t>
+              <a:t>State machine replication property</a:t>
             </a:r>
           </a:p>
           <a:p>
@@ -22860,13 +22831,8 @@
             <a:pPr lvl="2"/>
             <a:r>
               <a:rPr lang="en-US" dirty="0" smtClean="0"/>
-              <a:t>This is a separate </a:t>
-            </a:r>
-            <a:r>
-              <a:rPr lang="en-US" dirty="0" smtClean="0"/>
-              <a:t>problem</a:t>
-            </a:r>
-            <a:endParaRPr lang="en-US" dirty="0" smtClean="0"/>
+              <a:t>This is a separate problem</a:t>
+            </a:r>
           </a:p>
         </p:txBody>
       </p:sp>
@@ -40953,15 +40919,7 @@
             <a:pPr lvl="1"/>
             <a:r>
               <a:rPr lang="en-US" altLang="en-US" dirty="0" smtClean="0"/>
-              <a:t>Steal </a:t>
-            </a:r>
-            <a:r>
-              <a:rPr lang="en-US" altLang="en-US" dirty="0" smtClean="0"/>
-              <a:t>data </a:t>
-            </a:r>
-            <a:r>
-              <a:rPr lang="en-US" altLang="en-US" dirty="0" smtClean="0"/>
-              <a:t>from servers</a:t>
+              <a:t>Steal data from servers</a:t>
             </a:r>
             <a:endParaRPr lang="en-US" altLang="en-US" dirty="0"/>
           </a:p>
@@ -41389,11 +41347,7 @@
             </a:pPr>
             <a:r>
               <a:rPr lang="en-US" sz="3600" b="1" dirty="0" smtClean="0"/>
-              <a:t>Sunday </a:t>
-            </a:r>
-            <a:r>
-              <a:rPr lang="en-US" sz="3600" b="1" dirty="0" smtClean="0"/>
-              <a:t>topic:</a:t>
+              <a:t>Sunday topic:</a:t>
             </a:r>
           </a:p>
           <a:p>
